--- a/Модель х-ж.pptx
+++ b/Модель х-ж.pptx
@@ -5,24 +5,21 @@
     <p:sldMasterId id="2147483660" r:id="rId1"/>
   </p:sldMasterIdLst>
   <p:notesMasterIdLst>
-    <p:notesMasterId r:id="rId9"/>
+    <p:notesMasterId r:id="rId10"/>
   </p:notesMasterIdLst>
   <p:sldIdLst>
     <p:sldId id="256" r:id="rId2"/>
     <p:sldId id="257" r:id="rId3"/>
-    <p:sldId id="263" r:id="rId4"/>
-    <p:sldId id="262" r:id="rId5"/>
-    <p:sldId id="264" r:id="rId6"/>
-    <p:sldId id="266" r:id="rId7"/>
-    <p:sldId id="265" r:id="rId8"/>
+    <p:sldId id="267" r:id="rId4"/>
+    <p:sldId id="263" r:id="rId5"/>
+    <p:sldId id="262" r:id="rId6"/>
+    <p:sldId id="264" r:id="rId7"/>
+    <p:sldId id="266" r:id="rId8"/>
+    <p:sldId id="268" r:id="rId9"/>
   </p:sldIdLst>
   <p:sldSz cx="9144000" cy="5143500" type="screen16x9"/>
   <p:notesSz cx="6858000" cy="9144000"/>
   <p:embeddedFontLst>
-    <p:embeddedFont>
-      <p:font typeface="Cambria Math" panose="02040503050406030204" pitchFamily="18" charset="0"/>
-      <p:regular r:id="rId10"/>
-    </p:embeddedFont>
     <p:embeddedFont>
       <p:font typeface="Trebuchet MS" panose="020B0603020202020204" pitchFamily="34" charset="0"/>
       <p:regular r:id="rId11"/>
@@ -31,22 +28,26 @@
       <p:boldItalic r:id="rId14"/>
     </p:embeddedFont>
     <p:embeddedFont>
-      <p:font typeface="Roboto" panose="020B0604020202020204" charset="0"/>
+      <p:font typeface="Cambria" panose="02040503050406030204" pitchFamily="18" charset="0"/>
       <p:regular r:id="rId15"/>
       <p:bold r:id="rId16"/>
       <p:italic r:id="rId17"/>
       <p:boldItalic r:id="rId18"/>
     </p:embeddedFont>
     <p:embeddedFont>
-      <p:font typeface="Cambria" panose="02040503050406030204" pitchFamily="18" charset="0"/>
+      <p:font typeface="Wingdings 3" panose="05040102010807070707" pitchFamily="18" charset="2"/>
       <p:regular r:id="rId19"/>
-      <p:bold r:id="rId20"/>
-      <p:italic r:id="rId21"/>
-      <p:boldItalic r:id="rId22"/>
     </p:embeddedFont>
     <p:embeddedFont>
-      <p:font typeface="Wingdings 3" panose="05040102010807070707" pitchFamily="18" charset="2"/>
-      <p:regular r:id="rId23"/>
+      <p:font typeface="Cambria Math" panose="02040503050406030204" pitchFamily="18" charset="0"/>
+      <p:regular r:id="rId20"/>
+    </p:embeddedFont>
+    <p:embeddedFont>
+      <p:font typeface="Roboto" panose="020B0604020202020204" charset="0"/>
+      <p:regular r:id="rId21"/>
+      <p:bold r:id="rId22"/>
+      <p:italic r:id="rId23"/>
+      <p:boldItalic r:id="rId24"/>
     </p:embeddedFont>
   </p:embeddedFontLst>
   <p:defaultTextStyle>
@@ -1338,7 +1339,7 @@
             <a:fld id="{B61BEF0D-F0BB-DE4B-95CE-6DB70DBA9567}" type="datetimeFigureOut">
               <a:rPr lang="en-US" dirty="0"/>
               <a:pPr/>
-              <a:t>12/7/2017</a:t>
+              <a:t>1/23/2018</a:t>
             </a:fld>
             <a:endParaRPr lang="en-US" dirty="0"/>
           </a:p>
@@ -1613,7 +1614,7 @@
             <a:fld id="{B61BEF0D-F0BB-DE4B-95CE-6DB70DBA9567}" type="datetimeFigureOut">
               <a:rPr lang="en-US" dirty="0"/>
               <a:pPr/>
-              <a:t>12/7/2017</a:t>
+              <a:t>1/23/2018</a:t>
             </a:fld>
             <a:endParaRPr lang="en-US" dirty="0"/>
           </a:p>
@@ -1951,7 +1952,7 @@
             <a:fld id="{B61BEF0D-F0BB-DE4B-95CE-6DB70DBA9567}" type="datetimeFigureOut">
               <a:rPr lang="en-US" dirty="0"/>
               <a:pPr/>
-              <a:t>12/7/2017</a:t>
+              <a:t>1/23/2018</a:t>
             </a:fld>
             <a:endParaRPr lang="en-US" dirty="0"/>
           </a:p>
@@ -2316,7 +2317,7 @@
             <a:fld id="{B61BEF0D-F0BB-DE4B-95CE-6DB70DBA9567}" type="datetimeFigureOut">
               <a:rPr lang="en-US" dirty="0"/>
               <a:pPr/>
-              <a:t>12/7/2017</a:t>
+              <a:t>1/23/2018</a:t>
             </a:fld>
             <a:endParaRPr lang="en-US" dirty="0"/>
           </a:p>
@@ -2654,7 +2655,7 @@
             <a:fld id="{B61BEF0D-F0BB-DE4B-95CE-6DB70DBA9567}" type="datetimeFigureOut">
               <a:rPr lang="en-US" dirty="0"/>
               <a:pPr/>
-              <a:t>12/7/2017</a:t>
+              <a:t>1/23/2018</a:t>
             </a:fld>
             <a:endParaRPr lang="en-US" dirty="0"/>
           </a:p>
@@ -3071,7 +3072,7 @@
             <a:fld id="{B61BEF0D-F0BB-DE4B-95CE-6DB70DBA9567}" type="datetimeFigureOut">
               <a:rPr lang="en-US" dirty="0"/>
               <a:pPr/>
-              <a:t>12/7/2017</a:t>
+              <a:t>1/23/2018</a:t>
             </a:fld>
             <a:endParaRPr lang="en-US" dirty="0"/>
           </a:p>
@@ -3264,7 +3265,7 @@
           <a:p>
             <a:fld id="{55C6B4A9-1611-4792-9094-5F34BCA07E0B}" type="datetimeFigureOut">
               <a:rPr lang="en-US" dirty="0"/>
-              <a:t>12/7/2017</a:t>
+              <a:t>1/23/2018</a:t>
             </a:fld>
             <a:endParaRPr lang="en-US" dirty="0"/>
           </a:p>
@@ -3468,7 +3469,7 @@
             <a:fld id="{B61BEF0D-F0BB-DE4B-95CE-6DB70DBA9567}" type="datetimeFigureOut">
               <a:rPr lang="en-US" dirty="0"/>
               <a:pPr/>
-              <a:t>12/7/2017</a:t>
+              <a:t>1/23/2018</a:t>
             </a:fld>
             <a:endParaRPr lang="en-US" dirty="0"/>
           </a:p>
@@ -3901,7 +3902,7 @@
             <a:fld id="{B61BEF0D-F0BB-DE4B-95CE-6DB70DBA9567}" type="datetimeFigureOut">
               <a:rPr lang="en-US" dirty="0"/>
               <a:pPr/>
-              <a:t>12/7/2017</a:t>
+              <a:t>1/23/2018</a:t>
             </a:fld>
             <a:endParaRPr lang="en-US" dirty="0"/>
           </a:p>
@@ -4172,7 +4173,7 @@
             <a:fld id="{B61BEF0D-F0BB-DE4B-95CE-6DB70DBA9567}" type="datetimeFigureOut">
               <a:rPr lang="en-US" dirty="0"/>
               <a:pPr/>
-              <a:t>12/7/2017</a:t>
+              <a:t>1/23/2018</a:t>
             </a:fld>
             <a:endParaRPr lang="en-US" dirty="0"/>
           </a:p>
@@ -4427,7 +4428,7 @@
           <a:p>
             <a:fld id="{EB712588-04B1-427B-82EE-E8DB90309F08}" type="datetimeFigureOut">
               <a:rPr lang="en-US" dirty="0"/>
-              <a:t>12/7/2017</a:t>
+              <a:t>1/23/2018</a:t>
             </a:fld>
             <a:endParaRPr lang="en-US" dirty="0"/>
           </a:p>
@@ -4825,7 +4826,7 @@
             <a:fld id="{B61BEF0D-F0BB-DE4B-95CE-6DB70DBA9567}" type="datetimeFigureOut">
               <a:rPr lang="en-US" dirty="0"/>
               <a:pPr/>
-              <a:t>12/7/2017</a:t>
+              <a:t>1/23/2018</a:t>
             </a:fld>
             <a:endParaRPr lang="en-US" dirty="0"/>
           </a:p>
@@ -4972,7 +4973,7 @@
             <a:fld id="{B61BEF0D-F0BB-DE4B-95CE-6DB70DBA9567}" type="datetimeFigureOut">
               <a:rPr lang="en-US" dirty="0"/>
               <a:pPr/>
-              <a:t>12/7/2017</a:t>
+              <a:t>1/23/2018</a:t>
             </a:fld>
             <a:endParaRPr lang="en-US" dirty="0"/>
           </a:p>
@@ -5091,7 +5092,7 @@
             <a:fld id="{B61BEF0D-F0BB-DE4B-95CE-6DB70DBA9567}" type="datetimeFigureOut">
               <a:rPr lang="en-US" dirty="0"/>
               <a:pPr/>
-              <a:t>12/7/2017</a:t>
+              <a:t>1/23/2018</a:t>
             </a:fld>
             <a:endParaRPr lang="en-US" dirty="0"/>
           </a:p>
@@ -5369,7 +5370,7 @@
           <a:p>
             <a:fld id="{42A54C80-263E-416B-A8E0-580EDEADCBDC}" type="datetimeFigureOut">
               <a:rPr lang="en-US" dirty="0"/>
-              <a:t>12/7/2017</a:t>
+              <a:t>1/23/2018</a:t>
             </a:fld>
             <a:endParaRPr lang="en-US" dirty="0"/>
           </a:p>
@@ -5656,7 +5657,7 @@
             <a:fld id="{B61BEF0D-F0BB-DE4B-95CE-6DB70DBA9567}" type="datetimeFigureOut">
               <a:rPr lang="en-US" dirty="0"/>
               <a:pPr/>
-              <a:t>12/7/2017</a:t>
+              <a:t>1/23/2018</a:t>
             </a:fld>
             <a:endParaRPr lang="en-US" dirty="0"/>
           </a:p>
@@ -6423,7 +6424,7 @@
             <a:fld id="{B61BEF0D-F0BB-DE4B-95CE-6DB70DBA9567}" type="datetimeFigureOut">
               <a:rPr lang="en-US" dirty="0"/>
               <a:pPr/>
-              <a:t>12/7/2017</a:t>
+              <a:t>1/23/2018</a:t>
             </a:fld>
             <a:endParaRPr lang="en-US" dirty="0"/>
           </a:p>
@@ -6983,8 +6984,8 @@
         </p:nvSpPr>
         <p:spPr>
           <a:xfrm>
-            <a:off x="1659399" y="688975"/>
-            <a:ext cx="5825202" cy="1234727"/>
+            <a:off x="591671" y="688975"/>
+            <a:ext cx="7863840" cy="1234727"/>
           </a:xfrm>
           <a:prstGeom prst="rect">
             <a:avLst/>
@@ -7003,9 +7004,22 @@
               <a:buNone/>
             </a:pPr>
             <a:r>
-              <a:rPr lang="ru" dirty="0"/>
-              <a:t>Модель хищник-жертва</a:t>
-            </a:r>
+              <a:rPr lang="ru-RU" sz="3000" dirty="0">
+                <a:solidFill>
+                  <a:schemeClr val="accent1">
+                    <a:lumMod val="50000"/>
+                  </a:schemeClr>
+                </a:solidFill>
+              </a:rPr>
+              <a:t>Анализ индуцированных шумом явлений в модели сосуществования двух популяций</a:t>
+            </a:r>
+            <a:endParaRPr lang="ru" sz="3000" dirty="0">
+              <a:solidFill>
+                <a:schemeClr val="accent1">
+                  <a:lumMod val="50000"/>
+                </a:schemeClr>
+              </a:solidFill>
+            </a:endParaRPr>
           </a:p>
         </p:txBody>
       </p:sp>
@@ -7038,19 +7052,19 @@
               <a:spcBef>
                 <a:spcPts val="0"/>
               </a:spcBef>
-              <a:buNone/>
             </a:pPr>
             <a:r>
-              <a:rPr lang="ru" dirty="0">
-                <a:solidFill>
-                  <a:schemeClr val="tx1">
-                    <a:lumMod val="65000"/>
-                    <a:lumOff val="35000"/>
-                  </a:schemeClr>
-                </a:solidFill>
-              </a:rPr>
-              <a:t>с учетом конкуренции жертв и конкуренции хищников за отличные от жертв ресурсы</a:t>
-            </a:r>
+              <a:rPr lang="ru-RU" dirty="0"/>
+              <a:t> </a:t>
+            </a:r>
+            <a:endParaRPr lang="ru-RU" dirty="0">
+              <a:solidFill>
+                <a:schemeClr val="tx1">
+                  <a:lumMod val="65000"/>
+                  <a:lumOff val="35000"/>
+                </a:schemeClr>
+              </a:solidFill>
+            </a:endParaRPr>
           </a:p>
           <a:p>
             <a:pPr lvl="0">
@@ -7101,20 +7115,35 @@
             </a:endParaRPr>
           </a:p>
           <a:p>
+            <a:pPr>
+              <a:spcBef>
+                <a:spcPts val="0"/>
+              </a:spcBef>
+            </a:pPr>
+            <a:r>
+              <a:rPr lang="ru-RU" dirty="0">
+                <a:solidFill>
+                  <a:srgbClr val="FF0000"/>
+                </a:solidFill>
+              </a:rPr>
+              <a:t>????</a:t>
+            </a:r>
+          </a:p>
+          <a:p>
             <a:pPr lvl="0">
               <a:spcBef>
                 <a:spcPts val="0"/>
               </a:spcBef>
               <a:buNone/>
             </a:pPr>
-            <a:endParaRPr lang="ru-RU" dirty="0">
-              <a:solidFill>
-                <a:schemeClr val="tx1">
-                  <a:lumMod val="65000"/>
-                  <a:lumOff val="35000"/>
-                </a:schemeClr>
-              </a:solidFill>
-            </a:endParaRPr>
+            <a:r>
+              <a:rPr lang="ru-RU" dirty="0">
+                <a:solidFill>
+                  <a:srgbClr val="FF0000"/>
+                </a:solidFill>
+              </a:rPr>
+              <a:t>Выполнила: Абрамова Екатерина Павловна</a:t>
+            </a:r>
           </a:p>
           <a:p>
             <a:pPr lvl="0">
@@ -7123,60 +7152,14 @@
               </a:spcBef>
               <a:buNone/>
             </a:pPr>
-            <a:endParaRPr lang="ru-RU" dirty="0">
-              <a:solidFill>
-                <a:schemeClr val="tx1">
-                  <a:lumMod val="65000"/>
-                  <a:lumOff val="35000"/>
-                </a:schemeClr>
-              </a:solidFill>
-            </a:endParaRPr>
-          </a:p>
-          <a:p>
-            <a:pPr lvl="0">
-              <a:spcBef>
-                <a:spcPts val="0"/>
-              </a:spcBef>
-              <a:buNone/>
-            </a:pPr>
             <a:r>
               <a:rPr lang="ru-RU" dirty="0">
                 <a:solidFill>
-                  <a:schemeClr val="tx1">
-                    <a:lumMod val="65000"/>
-                    <a:lumOff val="35000"/>
-                  </a:schemeClr>
-                </a:solidFill>
-              </a:rPr>
-              <a:t>Выполнила: Абрамова Екатерина</a:t>
-            </a:r>
-          </a:p>
-          <a:p>
-            <a:pPr lvl="0">
-              <a:spcBef>
-                <a:spcPts val="0"/>
-              </a:spcBef>
-              <a:buNone/>
-            </a:pPr>
-            <a:r>
-              <a:rPr lang="ru-RU" dirty="0">
-                <a:solidFill>
-                  <a:schemeClr val="tx1">
-                    <a:lumMod val="65000"/>
-                    <a:lumOff val="35000"/>
-                  </a:schemeClr>
+                  <a:srgbClr val="FF0000"/>
                 </a:solidFill>
               </a:rPr>
               <a:t>Научный руководитель: Рязанова Т.В.</a:t>
             </a:r>
-            <a:endParaRPr dirty="0">
-              <a:solidFill>
-                <a:schemeClr val="tx1">
-                  <a:lumMod val="65000"/>
-                  <a:lumOff val="35000"/>
-                </a:schemeClr>
-              </a:solidFill>
-            </a:endParaRPr>
           </a:p>
         </p:txBody>
       </p:sp>
@@ -7249,10 +7232,14 @@
                 <a:spLocks noGrp="1"/>
               </p:cNvSpPr>
               <p:nvPr>
-                <p:ph type="body" idx="1"/>
+                <p:ph sz="half" idx="1"/>
               </p:nvPr>
             </p:nvSpPr>
             <p:spPr>
+              <a:xfrm>
+                <a:off x="508001" y="1116460"/>
+                <a:ext cx="3138026" cy="2910579"/>
+              </a:xfrm>
               <a:prstGeom prst="rect">
                 <a:avLst/>
               </a:prstGeom>
@@ -8051,17 +8038,21 @@
                 <a:spLocks noGrp="1" noRot="1" noChangeAspect="1" noMove="1" noResize="1" noEditPoints="1" noAdjustHandles="1" noChangeArrowheads="1" noChangeShapeType="1" noTextEdit="1"/>
               </p:cNvSpPr>
               <p:nvPr>
-                <p:ph type="body" idx="1"/>
+                <p:ph sz="half" idx="1"/>
               </p:nvPr>
             </p:nvSpPr>
             <p:spPr>
+              <a:xfrm>
+                <a:off x="508001" y="1116460"/>
+                <a:ext cx="3138026" cy="2910579"/>
+              </a:xfrm>
               <a:prstGeom prst="rect">
                 <a:avLst/>
               </a:prstGeom>
               <a:blipFill>
                 <a:blip r:embed="rId3"/>
                 <a:stretch>
-                  <a:fillRect l="-358"/>
+                  <a:fillRect l="-971"/>
                 </a:stretch>
               </a:blipFill>
             </p:spPr>
@@ -8080,6 +8071,31 @@
           </p:sp>
         </mc:Fallback>
       </mc:AlternateContent>
+      <p:sp>
+        <p:nvSpPr>
+          <p:cNvPr id="5" name="Объект 4">
+            <a:extLst>
+              <a:ext uri="{FF2B5EF4-FFF2-40B4-BE49-F238E27FC236}">
+                <a16:creationId xmlns:a16="http://schemas.microsoft.com/office/drawing/2014/main" id="{4BDEAFE4-7695-44A3-BB38-680D3A6C6A87}"/>
+              </a:ext>
+            </a:extLst>
+          </p:cNvPr>
+          <p:cNvSpPr>
+            <a:spLocks noGrp="1"/>
+          </p:cNvSpPr>
+          <p:nvPr>
+            <p:ph sz="half" idx="2"/>
+          </p:nvPr>
+        </p:nvSpPr>
+        <p:spPr/>
+        <p:txBody>
+          <a:bodyPr/>
+          <a:lstStyle/>
+          <a:p>
+            <a:endParaRPr lang="ru-RU" dirty="0"/>
+          </a:p>
+        </p:txBody>
+      </p:sp>
       <p:pic>
         <p:nvPicPr>
           <p:cNvPr id="3" name="Рисунок 2">
@@ -8102,7 +8118,37 @@
         </p:blipFill>
         <p:spPr>
           <a:xfrm>
-            <a:off x="3717842" y="1017800"/>
+            <a:off x="3731751" y="672355"/>
+            <a:ext cx="4469868" cy="2086714"/>
+          </a:xfrm>
+          <a:prstGeom prst="rect">
+            <a:avLst/>
+          </a:prstGeom>
+        </p:spPr>
+      </p:pic>
+      <p:pic>
+        <p:nvPicPr>
+          <p:cNvPr id="4" name="Рисунок 3">
+            <a:extLst>
+              <a:ext uri="{FF2B5EF4-FFF2-40B4-BE49-F238E27FC236}">
+                <a16:creationId xmlns:a16="http://schemas.microsoft.com/office/drawing/2014/main" id="{FD267A9D-66BE-4BB2-A7C2-3928D9BF66BB}"/>
+              </a:ext>
+            </a:extLst>
+          </p:cNvPr>
+          <p:cNvPicPr>
+            <a:picLocks noChangeAspect="1"/>
+          </p:cNvPicPr>
+          <p:nvPr/>
+        </p:nvPicPr>
+        <p:blipFill>
+          <a:blip r:embed="rId5"/>
+          <a:stretch>
+            <a:fillRect/>
+          </a:stretch>
+        </p:blipFill>
+        <p:spPr>
+          <a:xfrm>
+            <a:off x="3731751" y="2759069"/>
             <a:ext cx="4469868" cy="2086714"/>
           </a:xfrm>
           <a:prstGeom prst="rect">
@@ -8119,6 +8165,263 @@
 </file>
 
 <file path=ppt/slides/slide3.xml><?xml version="1.0" encoding="utf-8"?>
+<p:sld xmlns:a="http://schemas.openxmlformats.org/drawingml/2006/main" xmlns:r="http://schemas.openxmlformats.org/officeDocument/2006/relationships" xmlns:p="http://schemas.openxmlformats.org/presentationml/2006/main">
+  <p:cSld>
+    <p:spTree>
+      <p:nvGrpSpPr>
+        <p:cNvPr id="1" name=""/>
+        <p:cNvGrpSpPr/>
+        <p:nvPr/>
+      </p:nvGrpSpPr>
+      <p:grpSpPr>
+        <a:xfrm>
+          <a:off x="0" y="0"/>
+          <a:ext cx="0" cy="0"/>
+          <a:chOff x="0" y="0"/>
+          <a:chExt cx="0" cy="0"/>
+        </a:xfrm>
+      </p:grpSpPr>
+      <p:sp>
+        <p:nvSpPr>
+          <p:cNvPr id="2" name="Заголовок 1">
+            <a:extLst>
+              <a:ext uri="{FF2B5EF4-FFF2-40B4-BE49-F238E27FC236}">
+                <a16:creationId xmlns:a16="http://schemas.microsoft.com/office/drawing/2014/main" id="{34FE5777-0C1F-4548-8C0A-390D299A3528}"/>
+              </a:ext>
+            </a:extLst>
+          </p:cNvPr>
+          <p:cNvSpPr>
+            <a:spLocks noGrp="1"/>
+          </p:cNvSpPr>
+          <p:nvPr>
+            <p:ph type="title"/>
+          </p:nvPr>
+        </p:nvSpPr>
+        <p:spPr/>
+        <p:txBody>
+          <a:bodyPr/>
+          <a:lstStyle/>
+          <a:p>
+            <a:r>
+              <a:rPr lang="ru-RU" dirty="0"/>
+              <a:t>Фазовые портреты</a:t>
+            </a:r>
+          </a:p>
+        </p:txBody>
+      </p:sp>
+      <p:sp>
+        <p:nvSpPr>
+          <p:cNvPr id="3" name="Текст 2">
+            <a:extLst>
+              <a:ext uri="{FF2B5EF4-FFF2-40B4-BE49-F238E27FC236}">
+                <a16:creationId xmlns:a16="http://schemas.microsoft.com/office/drawing/2014/main" id="{94760DCC-567E-4215-8A17-D843DB3116A3}"/>
+              </a:ext>
+            </a:extLst>
+          </p:cNvPr>
+          <p:cNvSpPr>
+            <a:spLocks noGrp="1"/>
+          </p:cNvSpPr>
+          <p:nvPr>
+            <p:ph type="body" idx="1"/>
+          </p:nvPr>
+        </p:nvSpPr>
+        <p:spPr/>
+        <p:txBody>
+          <a:bodyPr/>
+          <a:lstStyle/>
+          <a:p>
+            <a:endParaRPr lang="ru-RU" dirty="0"/>
+          </a:p>
+        </p:txBody>
+      </p:sp>
+      <p:pic>
+        <p:nvPicPr>
+          <p:cNvPr id="5" name="Рисунок 4">
+            <a:extLst>
+              <a:ext uri="{FF2B5EF4-FFF2-40B4-BE49-F238E27FC236}">
+                <a16:creationId xmlns:a16="http://schemas.microsoft.com/office/drawing/2014/main" id="{6F3905DF-5068-4E2B-B824-97D553D7A7A1}"/>
+              </a:ext>
+            </a:extLst>
+          </p:cNvPr>
+          <p:cNvPicPr>
+            <a:picLocks noChangeAspect="1"/>
+          </p:cNvPicPr>
+          <p:nvPr/>
+        </p:nvPicPr>
+        <p:blipFill rotWithShape="1">
+          <a:blip r:embed="rId2"/>
+          <a:srcRect l="10129" r="7118"/>
+          <a:stretch/>
+        </p:blipFill>
+        <p:spPr>
+          <a:xfrm>
+            <a:off x="182610" y="1229874"/>
+            <a:ext cx="2841330" cy="1917655"/>
+          </a:xfrm>
+          <a:prstGeom prst="rect">
+            <a:avLst/>
+          </a:prstGeom>
+        </p:spPr>
+      </p:pic>
+      <p:pic>
+        <p:nvPicPr>
+          <p:cNvPr id="9" name="Рисунок 8">
+            <a:extLst>
+              <a:ext uri="{FF2B5EF4-FFF2-40B4-BE49-F238E27FC236}">
+                <a16:creationId xmlns:a16="http://schemas.microsoft.com/office/drawing/2014/main" id="{B9505BC1-08E6-4BA2-8124-E4D5919D67D3}"/>
+              </a:ext>
+            </a:extLst>
+          </p:cNvPr>
+          <p:cNvPicPr>
+            <a:picLocks noChangeAspect="1"/>
+          </p:cNvPicPr>
+          <p:nvPr/>
+        </p:nvPicPr>
+        <p:blipFill rotWithShape="1">
+          <a:blip r:embed="rId3"/>
+          <a:srcRect l="10263" r="6584"/>
+          <a:stretch/>
+        </p:blipFill>
+        <p:spPr>
+          <a:xfrm>
+            <a:off x="3023940" y="1213527"/>
+            <a:ext cx="2937222" cy="1917655"/>
+          </a:xfrm>
+          <a:prstGeom prst="rect">
+            <a:avLst/>
+          </a:prstGeom>
+        </p:spPr>
+      </p:pic>
+      <p:pic>
+        <p:nvPicPr>
+          <p:cNvPr id="11" name="Рисунок 10">
+            <a:extLst>
+              <a:ext uri="{FF2B5EF4-FFF2-40B4-BE49-F238E27FC236}">
+                <a16:creationId xmlns:a16="http://schemas.microsoft.com/office/drawing/2014/main" id="{88D3FCFE-3AC3-4092-9A6A-A22F7C43D759}"/>
+              </a:ext>
+            </a:extLst>
+          </p:cNvPr>
+          <p:cNvPicPr>
+            <a:picLocks noChangeAspect="1"/>
+          </p:cNvPicPr>
+          <p:nvPr/>
+        </p:nvPicPr>
+        <p:blipFill rotWithShape="1">
+          <a:blip r:embed="rId4"/>
+          <a:srcRect l="9650" r="6706"/>
+          <a:stretch/>
+        </p:blipFill>
+        <p:spPr>
+          <a:xfrm>
+            <a:off x="5962546" y="1229874"/>
+            <a:ext cx="2904180" cy="1884962"/>
+          </a:xfrm>
+          <a:prstGeom prst="rect">
+            <a:avLst/>
+          </a:prstGeom>
+        </p:spPr>
+      </p:pic>
+      <p:pic>
+        <p:nvPicPr>
+          <p:cNvPr id="13" name="Рисунок 12">
+            <a:extLst>
+              <a:ext uri="{FF2B5EF4-FFF2-40B4-BE49-F238E27FC236}">
+                <a16:creationId xmlns:a16="http://schemas.microsoft.com/office/drawing/2014/main" id="{73678A28-1FDB-4F98-960A-51BEC18A1FCA}"/>
+              </a:ext>
+            </a:extLst>
+          </p:cNvPr>
+          <p:cNvPicPr>
+            <a:picLocks noChangeAspect="1"/>
+          </p:cNvPicPr>
+          <p:nvPr/>
+        </p:nvPicPr>
+        <p:blipFill rotWithShape="1">
+          <a:blip r:embed="rId5"/>
+          <a:srcRect l="9527" r="6829" b="4603"/>
+          <a:stretch/>
+        </p:blipFill>
+        <p:spPr>
+          <a:xfrm>
+            <a:off x="182611" y="3114836"/>
+            <a:ext cx="2839945" cy="1818651"/>
+          </a:xfrm>
+          <a:prstGeom prst="rect">
+            <a:avLst/>
+          </a:prstGeom>
+        </p:spPr>
+      </p:pic>
+      <p:pic>
+        <p:nvPicPr>
+          <p:cNvPr id="15" name="Рисунок 14">
+            <a:extLst>
+              <a:ext uri="{FF2B5EF4-FFF2-40B4-BE49-F238E27FC236}">
+                <a16:creationId xmlns:a16="http://schemas.microsoft.com/office/drawing/2014/main" id="{29D528B0-C1A5-4E2E-8B05-323A756E56D6}"/>
+              </a:ext>
+            </a:extLst>
+          </p:cNvPr>
+          <p:cNvPicPr>
+            <a:picLocks noChangeAspect="1"/>
+          </p:cNvPicPr>
+          <p:nvPr/>
+        </p:nvPicPr>
+        <p:blipFill rotWithShape="1">
+          <a:blip r:embed="rId6"/>
+          <a:srcRect l="10118" r="6817" b="4616"/>
+          <a:stretch/>
+        </p:blipFill>
+        <p:spPr>
+          <a:xfrm>
+            <a:off x="3151645" y="3147528"/>
+            <a:ext cx="2809517" cy="1800989"/>
+          </a:xfrm>
+          <a:prstGeom prst="rect">
+            <a:avLst/>
+          </a:prstGeom>
+        </p:spPr>
+      </p:pic>
+      <p:pic>
+        <p:nvPicPr>
+          <p:cNvPr id="17" name="Рисунок 16">
+            <a:extLst>
+              <a:ext uri="{FF2B5EF4-FFF2-40B4-BE49-F238E27FC236}">
+                <a16:creationId xmlns:a16="http://schemas.microsoft.com/office/drawing/2014/main" id="{09323840-9BD6-4D00-9164-D7DB7EF75115}"/>
+              </a:ext>
+            </a:extLst>
+          </p:cNvPr>
+          <p:cNvPicPr>
+            <a:picLocks noChangeAspect="1"/>
+          </p:cNvPicPr>
+          <p:nvPr/>
+        </p:nvPicPr>
+        <p:blipFill rotWithShape="1">
+          <a:blip r:embed="rId7"/>
+          <a:srcRect l="9160" r="6461" b="4603"/>
+          <a:stretch/>
+        </p:blipFill>
+        <p:spPr>
+          <a:xfrm>
+            <a:off x="5983464" y="3163815"/>
+            <a:ext cx="2883262" cy="1769672"/>
+          </a:xfrm>
+          <a:prstGeom prst="rect">
+            <a:avLst/>
+          </a:prstGeom>
+        </p:spPr>
+      </p:pic>
+    </p:spTree>
+    <p:extLst>
+      <p:ext uri="{BB962C8B-B14F-4D97-AF65-F5344CB8AC3E}">
+        <p14:creationId xmlns:p14="http://schemas.microsoft.com/office/powerpoint/2010/main" val="671686928"/>
+      </p:ext>
+    </p:extLst>
+  </p:cSld>
+  <p:clrMapOvr>
+    <a:masterClrMapping/>
+  </p:clrMapOvr>
+</p:sld>
+</file>
+
+<file path=ppt/slides/slide4.xml><?xml version="1.0" encoding="utf-8"?>
 <p:sld xmlns:a="http://schemas.openxmlformats.org/drawingml/2006/main" xmlns:r="http://schemas.openxmlformats.org/officeDocument/2006/relationships" xmlns:p="http://schemas.openxmlformats.org/presentationml/2006/main">
   <p:cSld>
     <p:spTree>
@@ -8363,7 +8666,7 @@
 </p:sld>
 </file>
 
-<file path=ppt/slides/slide4.xml><?xml version="1.0" encoding="utf-8"?>
+<file path=ppt/slides/slide5.xml><?xml version="1.0" encoding="utf-8"?>
 <p:sld xmlns:a="http://schemas.openxmlformats.org/drawingml/2006/main" xmlns:r="http://schemas.openxmlformats.org/officeDocument/2006/relationships" xmlns:p="http://schemas.openxmlformats.org/presentationml/2006/main">
   <p:cSld>
     <p:spTree>
@@ -8606,192 +8909,6 @@
 </p:sld>
 </file>
 
-<file path=ppt/slides/slide5.xml><?xml version="1.0" encoding="utf-8"?>
-<p:sld xmlns:a="http://schemas.openxmlformats.org/drawingml/2006/main" xmlns:r="http://schemas.openxmlformats.org/officeDocument/2006/relationships" xmlns:p="http://schemas.openxmlformats.org/presentationml/2006/main">
-  <p:cSld>
-    <p:spTree>
-      <p:nvGrpSpPr>
-        <p:cNvPr id="1" name=""/>
-        <p:cNvGrpSpPr/>
-        <p:nvPr/>
-      </p:nvGrpSpPr>
-      <p:grpSpPr>
-        <a:xfrm>
-          <a:off x="0" y="0"/>
-          <a:ext cx="0" cy="0"/>
-          <a:chOff x="0" y="0"/>
-          <a:chExt cx="0" cy="0"/>
-        </a:xfrm>
-      </p:grpSpPr>
-      <p:sp>
-        <p:nvSpPr>
-          <p:cNvPr id="2" name="Заголовок 1">
-            <a:extLst>
-              <a:ext uri="{FF2B5EF4-FFF2-40B4-BE49-F238E27FC236}">
-                <a16:creationId xmlns:a16="http://schemas.microsoft.com/office/drawing/2014/main" id="{952C8678-B7B7-41DD-8DB2-B1EFC51E0484}"/>
-              </a:ext>
-            </a:extLst>
-          </p:cNvPr>
-          <p:cNvSpPr>
-            <a:spLocks noGrp="1"/>
-          </p:cNvSpPr>
-          <p:nvPr>
-            <p:ph type="title"/>
-          </p:nvPr>
-        </p:nvSpPr>
-        <p:spPr/>
-        <p:txBody>
-          <a:bodyPr/>
-          <a:lstStyle/>
-          <a:p>
-            <a:r>
-              <a:rPr lang="ru-RU" dirty="0"/>
-              <a:t>Вымирание в (0,0)</a:t>
-            </a:r>
-          </a:p>
-        </p:txBody>
-      </p:sp>
-      <p:sp>
-        <p:nvSpPr>
-          <p:cNvPr id="3" name="Текст 2">
-            <a:extLst>
-              <a:ext uri="{FF2B5EF4-FFF2-40B4-BE49-F238E27FC236}">
-                <a16:creationId xmlns:a16="http://schemas.microsoft.com/office/drawing/2014/main" id="{F15FEDBE-1ED5-4421-91B0-825716D5D33B}"/>
-              </a:ext>
-            </a:extLst>
-          </p:cNvPr>
-          <p:cNvSpPr>
-            <a:spLocks noGrp="1"/>
-          </p:cNvSpPr>
-          <p:nvPr>
-            <p:ph type="body" idx="1"/>
-          </p:nvPr>
-        </p:nvSpPr>
-        <p:spPr/>
-        <p:txBody>
-          <a:bodyPr/>
-          <a:lstStyle/>
-          <a:p>
-            <a:endParaRPr lang="ru-RU" dirty="0"/>
-          </a:p>
-        </p:txBody>
-      </p:sp>
-      <p:pic>
-        <p:nvPicPr>
-          <p:cNvPr id="11" name="Рисунок 10">
-            <a:extLst>
-              <a:ext uri="{FF2B5EF4-FFF2-40B4-BE49-F238E27FC236}">
-                <a16:creationId xmlns:a16="http://schemas.microsoft.com/office/drawing/2014/main" id="{4B18CA5D-173C-47E7-A819-4D20EB3B734C}"/>
-              </a:ext>
-            </a:extLst>
-          </p:cNvPr>
-          <p:cNvPicPr>
-            <a:picLocks noChangeAspect="1"/>
-          </p:cNvPicPr>
-          <p:nvPr/>
-        </p:nvPicPr>
-        <p:blipFill>
-          <a:blip r:embed="rId2"/>
-          <a:stretch>
-            <a:fillRect/>
-          </a:stretch>
-        </p:blipFill>
-        <p:spPr>
-          <a:xfrm>
-            <a:off x="311698" y="2770848"/>
-            <a:ext cx="7048357" cy="2010102"/>
-          </a:xfrm>
-          <a:prstGeom prst="rect">
-            <a:avLst/>
-          </a:prstGeom>
-        </p:spPr>
-      </p:pic>
-      <p:pic>
-        <p:nvPicPr>
-          <p:cNvPr id="13" name="Рисунок 12">
-            <a:extLst>
-              <a:ext uri="{FF2B5EF4-FFF2-40B4-BE49-F238E27FC236}">
-                <a16:creationId xmlns:a16="http://schemas.microsoft.com/office/drawing/2014/main" id="{CE1DD1C1-20BF-40C1-8A7D-B1099102FDB2}"/>
-              </a:ext>
-            </a:extLst>
-          </p:cNvPr>
-          <p:cNvPicPr>
-            <a:picLocks noChangeAspect="1"/>
-          </p:cNvPicPr>
-          <p:nvPr/>
-        </p:nvPicPr>
-        <p:blipFill>
-          <a:blip r:embed="rId3"/>
-          <a:stretch>
-            <a:fillRect/>
-          </a:stretch>
-        </p:blipFill>
-        <p:spPr>
-          <a:xfrm>
-            <a:off x="311699" y="1108038"/>
-            <a:ext cx="7048357" cy="1791337"/>
-          </a:xfrm>
-          <a:prstGeom prst="rect">
-            <a:avLst/>
-          </a:prstGeom>
-        </p:spPr>
-      </p:pic>
-      <p:sp>
-        <p:nvSpPr>
-          <p:cNvPr id="7" name="TextBox 6">
-            <a:extLst>
-              <a:ext uri="{FF2B5EF4-FFF2-40B4-BE49-F238E27FC236}">
-                <a16:creationId xmlns:a16="http://schemas.microsoft.com/office/drawing/2014/main" id="{947E8BC0-BF8B-46CF-89BF-F5E53D0BDADA}"/>
-              </a:ext>
-            </a:extLst>
-          </p:cNvPr>
-          <p:cNvSpPr txBox="1"/>
-          <p:nvPr/>
-        </p:nvSpPr>
-        <p:spPr>
-          <a:xfrm>
-            <a:off x="2975583" y="938885"/>
-            <a:ext cx="1720585" cy="307777"/>
-          </a:xfrm>
-          <a:prstGeom prst="rect">
-            <a:avLst/>
-          </a:prstGeom>
-          <a:noFill/>
-        </p:spPr>
-        <p:txBody>
-          <a:bodyPr wrap="square" rtlCol="0">
-            <a:spAutoFit/>
-          </a:bodyPr>
-          <a:lstStyle/>
-          <a:p>
-            <a:r>
-              <a:rPr lang="ru-RU" sz="1400" dirty="0"/>
-              <a:t>δ = 0.12 </a:t>
-            </a:r>
-            <a:r>
-              <a:rPr lang="el-GR" sz="1400" dirty="0"/>
-              <a:t>σ</a:t>
-            </a:r>
-            <a:r>
-              <a:rPr lang="ru-RU" sz="1400" dirty="0"/>
-              <a:t> = 0.025</a:t>
-            </a:r>
-          </a:p>
-        </p:txBody>
-      </p:sp>
-    </p:spTree>
-    <p:extLst>
-      <p:ext uri="{BB962C8B-B14F-4D97-AF65-F5344CB8AC3E}">
-        <p14:creationId xmlns:p14="http://schemas.microsoft.com/office/powerpoint/2010/main" val="976220242"/>
-      </p:ext>
-    </p:extLst>
-  </p:cSld>
-  <p:clrMapOvr>
-    <a:masterClrMapping/>
-  </p:clrMapOvr>
-</p:sld>
-</file>
-
 <file path=ppt/slides/slide6.xml><?xml version="1.0" encoding="utf-8"?>
 <p:sld xmlns:a="http://schemas.openxmlformats.org/drawingml/2006/main" xmlns:r="http://schemas.openxmlformats.org/officeDocument/2006/relationships" xmlns:p="http://schemas.openxmlformats.org/presentationml/2006/main">
   <p:cSld>
@@ -8814,7 +8931,7 @@
           <p:cNvPr id="2" name="Заголовок 1">
             <a:extLst>
               <a:ext uri="{FF2B5EF4-FFF2-40B4-BE49-F238E27FC236}">
-                <a16:creationId xmlns:a16="http://schemas.microsoft.com/office/drawing/2014/main" id="{AAD6AA2F-20D0-487F-82FF-99BD37B61711}"/>
+                <a16:creationId xmlns:a16="http://schemas.microsoft.com/office/drawing/2014/main" id="{952C8678-B7B7-41DD-8DB2-B1EFC51E0484}"/>
               </a:ext>
             </a:extLst>
           </p:cNvPr>
@@ -8832,7 +8949,7 @@
           <a:p>
             <a:r>
               <a:rPr lang="ru-RU" dirty="0"/>
-              <a:t>Вымирание в (100,0)</a:t>
+              <a:t>Вымирание в (0,0)</a:t>
             </a:r>
           </a:p>
         </p:txBody>
@@ -8842,7 +8959,7 @@
           <p:cNvPr id="3" name="Текст 2">
             <a:extLst>
               <a:ext uri="{FF2B5EF4-FFF2-40B4-BE49-F238E27FC236}">
-                <a16:creationId xmlns:a16="http://schemas.microsoft.com/office/drawing/2014/main" id="{F2C48307-F5E5-4209-91CB-18C5D3B61093}"/>
+                <a16:creationId xmlns:a16="http://schemas.microsoft.com/office/drawing/2014/main" id="{F15FEDBE-1ED5-4421-91B0-825716D5D33B}"/>
               </a:ext>
             </a:extLst>
           </p:cNvPr>
@@ -8859,6 +8976,49 @@
           <a:lstStyle/>
           <a:p>
             <a:endParaRPr lang="ru-RU" dirty="0"/>
+          </a:p>
+        </p:txBody>
+      </p:sp>
+      <p:sp>
+        <p:nvSpPr>
+          <p:cNvPr id="7" name="TextBox 6">
+            <a:extLst>
+              <a:ext uri="{FF2B5EF4-FFF2-40B4-BE49-F238E27FC236}">
+                <a16:creationId xmlns:a16="http://schemas.microsoft.com/office/drawing/2014/main" id="{947E8BC0-BF8B-46CF-89BF-F5E53D0BDADA}"/>
+              </a:ext>
+            </a:extLst>
+          </p:cNvPr>
+          <p:cNvSpPr txBox="1"/>
+          <p:nvPr/>
+        </p:nvSpPr>
+        <p:spPr>
+          <a:xfrm>
+            <a:off x="2975583" y="938885"/>
+            <a:ext cx="1720585" cy="307777"/>
+          </a:xfrm>
+          <a:prstGeom prst="rect">
+            <a:avLst/>
+          </a:prstGeom>
+          <a:noFill/>
+        </p:spPr>
+        <p:txBody>
+          <a:bodyPr wrap="square" rtlCol="0">
+            <a:spAutoFit/>
+          </a:bodyPr>
+          <a:lstStyle/>
+          <a:p>
+            <a:r>
+              <a:rPr lang="ru-RU" sz="1400" dirty="0"/>
+              <a:t>δ = 0.12 </a:t>
+            </a:r>
+            <a:r>
+              <a:rPr lang="el-GR" sz="1400" dirty="0"/>
+              <a:t>σ</a:t>
+            </a:r>
+            <a:r>
+              <a:rPr lang="ru-RU" sz="1400" dirty="0"/>
+              <a:t> = 0.025</a:t>
+            </a:r>
           </a:p>
         </p:txBody>
       </p:sp>
@@ -8867,7 +9027,7 @@
           <p:cNvPr id="5" name="Рисунок 4">
             <a:extLst>
               <a:ext uri="{FF2B5EF4-FFF2-40B4-BE49-F238E27FC236}">
-                <a16:creationId xmlns:a16="http://schemas.microsoft.com/office/drawing/2014/main" id="{8BBD86B2-2453-454E-B406-48A0F18081B1}"/>
+                <a16:creationId xmlns:a16="http://schemas.microsoft.com/office/drawing/2014/main" id="{A5DDA6AC-B493-413F-A948-451BCD348D74}"/>
               </a:ext>
             </a:extLst>
           </p:cNvPr>
@@ -8876,16 +9036,15 @@
           </p:cNvPicPr>
           <p:nvPr/>
         </p:nvPicPr>
-        <p:blipFill>
+        <p:blipFill rotWithShape="1">
           <a:blip r:embed="rId2"/>
-          <a:stretch>
-            <a:fillRect/>
-          </a:stretch>
+          <a:srcRect l="9775" r="5786"/>
+          <a:stretch/>
         </p:blipFill>
         <p:spPr>
           <a:xfrm>
-            <a:off x="311700" y="1216180"/>
-            <a:ext cx="7143349" cy="1840336"/>
+            <a:off x="1226371" y="1229876"/>
+            <a:ext cx="6691257" cy="1674690"/>
           </a:xfrm>
           <a:prstGeom prst="rect">
             <a:avLst/>
@@ -8894,10 +9053,10 @@
       </p:pic>
       <p:pic>
         <p:nvPicPr>
-          <p:cNvPr id="7" name="Рисунок 6">
+          <p:cNvPr id="8" name="Рисунок 7">
             <a:extLst>
               <a:ext uri="{FF2B5EF4-FFF2-40B4-BE49-F238E27FC236}">
-                <a16:creationId xmlns:a16="http://schemas.microsoft.com/office/drawing/2014/main" id="{B9A460F3-E573-4CF9-A133-5F861B51CBB3}"/>
+                <a16:creationId xmlns:a16="http://schemas.microsoft.com/office/drawing/2014/main" id="{4688E7AD-E6F9-4B41-8EA4-41AE013E6D36}"/>
               </a:ext>
             </a:extLst>
           </p:cNvPr>
@@ -8906,69 +9065,25 @@
           </p:cNvPicPr>
           <p:nvPr/>
         </p:nvPicPr>
-        <p:blipFill>
+        <p:blipFill rotWithShape="1">
           <a:blip r:embed="rId3"/>
-          <a:stretch>
-            <a:fillRect/>
-          </a:stretch>
+          <a:srcRect l="8117" r="5765"/>
+          <a:stretch/>
         </p:blipFill>
         <p:spPr>
           <a:xfrm>
-            <a:off x="311698" y="2993457"/>
-            <a:ext cx="7143349" cy="1840336"/>
+            <a:off x="1086522" y="2822449"/>
+            <a:ext cx="6831107" cy="1911051"/>
           </a:xfrm>
           <a:prstGeom prst="rect">
             <a:avLst/>
           </a:prstGeom>
         </p:spPr>
       </p:pic>
-      <p:sp>
-        <p:nvSpPr>
-          <p:cNvPr id="6" name="TextBox 5">
-            <a:extLst>
-              <a:ext uri="{FF2B5EF4-FFF2-40B4-BE49-F238E27FC236}">
-                <a16:creationId xmlns:a16="http://schemas.microsoft.com/office/drawing/2014/main" id="{082EB97A-6941-4628-B249-21599D4466FD}"/>
-              </a:ext>
-            </a:extLst>
-          </p:cNvPr>
-          <p:cNvSpPr txBox="1"/>
-          <p:nvPr/>
-        </p:nvSpPr>
-        <p:spPr>
-          <a:xfrm>
-            <a:off x="2729480" y="996371"/>
-            <a:ext cx="1942028" cy="307777"/>
-          </a:xfrm>
-          <a:prstGeom prst="rect">
-            <a:avLst/>
-          </a:prstGeom>
-          <a:noFill/>
-        </p:spPr>
-        <p:txBody>
-          <a:bodyPr wrap="square" rtlCol="0">
-            <a:spAutoFit/>
-          </a:bodyPr>
-          <a:lstStyle/>
-          <a:p>
-            <a:r>
-              <a:rPr lang="ru-RU" sz="1400" dirty="0"/>
-              <a:t>δ = 0.12, </a:t>
-            </a:r>
-            <a:r>
-              <a:rPr lang="el-GR" sz="1400" dirty="0"/>
-              <a:t>σ</a:t>
-            </a:r>
-            <a:r>
-              <a:rPr lang="ru-RU" sz="1400" dirty="0"/>
-              <a:t> = 0.025</a:t>
-            </a:r>
-          </a:p>
-        </p:txBody>
-      </p:sp>
     </p:spTree>
     <p:extLst>
       <p:ext uri="{BB962C8B-B14F-4D97-AF65-F5344CB8AC3E}">
-        <p14:creationId xmlns:p14="http://schemas.microsoft.com/office/powerpoint/2010/main" val="3081035975"/>
+        <p14:creationId xmlns:p14="http://schemas.microsoft.com/office/powerpoint/2010/main" val="976220242"/>
       </p:ext>
     </p:extLst>
   </p:cSld>
@@ -9000,7 +9115,7 @@
           <p:cNvPr id="2" name="Заголовок 1">
             <a:extLst>
               <a:ext uri="{FF2B5EF4-FFF2-40B4-BE49-F238E27FC236}">
-                <a16:creationId xmlns:a16="http://schemas.microsoft.com/office/drawing/2014/main" id="{A50A09DF-E890-4009-80B2-21950D99715C}"/>
+                <a16:creationId xmlns:a16="http://schemas.microsoft.com/office/drawing/2014/main" id="{AAD6AA2F-20D0-487F-82FF-99BD37B61711}"/>
               </a:ext>
             </a:extLst>
           </p:cNvPr>
@@ -9018,7 +9133,7 @@
           <a:p>
             <a:r>
               <a:rPr lang="ru-RU" dirty="0"/>
-              <a:t>Проблема</a:t>
+              <a:t>Вымирание в (100,0)</a:t>
             </a:r>
           </a:p>
         </p:txBody>
@@ -9028,7 +9143,7 @@
           <p:cNvPr id="3" name="Текст 2">
             <a:extLst>
               <a:ext uri="{FF2B5EF4-FFF2-40B4-BE49-F238E27FC236}">
-                <a16:creationId xmlns:a16="http://schemas.microsoft.com/office/drawing/2014/main" id="{E8B4FB16-7772-4B53-A07E-618CDA48F830}"/>
+                <a16:creationId xmlns:a16="http://schemas.microsoft.com/office/drawing/2014/main" id="{F2C48307-F5E5-4209-91CB-18C5D3B61093}"/>
               </a:ext>
             </a:extLst>
           </p:cNvPr>
@@ -9048,12 +9163,55 @@
           </a:p>
         </p:txBody>
       </p:sp>
+      <p:sp>
+        <p:nvSpPr>
+          <p:cNvPr id="6" name="TextBox 5">
+            <a:extLst>
+              <a:ext uri="{FF2B5EF4-FFF2-40B4-BE49-F238E27FC236}">
+                <a16:creationId xmlns:a16="http://schemas.microsoft.com/office/drawing/2014/main" id="{082EB97A-6941-4628-B249-21599D4466FD}"/>
+              </a:ext>
+            </a:extLst>
+          </p:cNvPr>
+          <p:cNvSpPr txBox="1"/>
+          <p:nvPr/>
+        </p:nvSpPr>
+        <p:spPr>
+          <a:xfrm>
+            <a:off x="2729480" y="996371"/>
+            <a:ext cx="1942028" cy="307777"/>
+          </a:xfrm>
+          <a:prstGeom prst="rect">
+            <a:avLst/>
+          </a:prstGeom>
+          <a:noFill/>
+        </p:spPr>
+        <p:txBody>
+          <a:bodyPr wrap="square" rtlCol="0">
+            <a:spAutoFit/>
+          </a:bodyPr>
+          <a:lstStyle/>
+          <a:p>
+            <a:r>
+              <a:rPr lang="ru-RU" sz="1400" dirty="0"/>
+              <a:t>δ = 0.12, </a:t>
+            </a:r>
+            <a:r>
+              <a:rPr lang="el-GR" sz="1400" dirty="0"/>
+              <a:t>σ</a:t>
+            </a:r>
+            <a:r>
+              <a:rPr lang="ru-RU" sz="1400" dirty="0"/>
+              <a:t> = 0.05</a:t>
+            </a:r>
+          </a:p>
+        </p:txBody>
+      </p:sp>
       <p:pic>
         <p:nvPicPr>
-          <p:cNvPr id="5" name="Рисунок 4">
+          <p:cNvPr id="8" name="Рисунок 7">
             <a:extLst>
               <a:ext uri="{FF2B5EF4-FFF2-40B4-BE49-F238E27FC236}">
-                <a16:creationId xmlns:a16="http://schemas.microsoft.com/office/drawing/2014/main" id="{3EB82868-00B0-4D0F-928F-30560EF983F3}"/>
+                <a16:creationId xmlns:a16="http://schemas.microsoft.com/office/drawing/2014/main" id="{B2554012-B388-4399-A373-700A55B4AE52}"/>
               </a:ext>
             </a:extLst>
           </p:cNvPr>
@@ -9062,16 +9220,44 @@
           </p:cNvPicPr>
           <p:nvPr/>
         </p:nvPicPr>
-        <p:blipFill>
+        <p:blipFill rotWithShape="1">
           <a:blip r:embed="rId2"/>
-          <a:stretch>
-            <a:fillRect/>
-          </a:stretch>
+          <a:srcRect l="9346" r="6644"/>
+          <a:stretch/>
         </p:blipFill>
         <p:spPr>
           <a:xfrm>
-            <a:off x="839096" y="1270157"/>
-            <a:ext cx="7465807" cy="3298718"/>
+            <a:off x="1059629" y="1229875"/>
+            <a:ext cx="7024742" cy="1663932"/>
+          </a:xfrm>
+          <a:prstGeom prst="rect">
+            <a:avLst/>
+          </a:prstGeom>
+        </p:spPr>
+      </p:pic>
+      <p:pic>
+        <p:nvPicPr>
+          <p:cNvPr id="10" name="Рисунок 9">
+            <a:extLst>
+              <a:ext uri="{FF2B5EF4-FFF2-40B4-BE49-F238E27FC236}">
+                <a16:creationId xmlns:a16="http://schemas.microsoft.com/office/drawing/2014/main" id="{C999C7C0-F513-4012-8E8D-90884824E411}"/>
+              </a:ext>
+            </a:extLst>
+          </p:cNvPr>
+          <p:cNvPicPr>
+            <a:picLocks noChangeAspect="1"/>
+          </p:cNvPicPr>
+          <p:nvPr/>
+        </p:nvPicPr>
+        <p:blipFill rotWithShape="1">
+          <a:blip r:embed="rId3"/>
+          <a:srcRect l="8942" r="6998"/>
+          <a:stretch/>
+        </p:blipFill>
+        <p:spPr>
+          <a:xfrm>
+            <a:off x="1059629" y="2803437"/>
+            <a:ext cx="7024743" cy="1930063"/>
           </a:xfrm>
           <a:prstGeom prst="rect">
             <a:avLst/>
@@ -9081,7 +9267,191 @@
     </p:spTree>
     <p:extLst>
       <p:ext uri="{BB962C8B-B14F-4D97-AF65-F5344CB8AC3E}">
-        <p14:creationId xmlns:p14="http://schemas.microsoft.com/office/powerpoint/2010/main" val="92626274"/>
+        <p14:creationId xmlns:p14="http://schemas.microsoft.com/office/powerpoint/2010/main" val="3081035975"/>
+      </p:ext>
+    </p:extLst>
+  </p:cSld>
+  <p:clrMapOvr>
+    <a:masterClrMapping/>
+  </p:clrMapOvr>
+</p:sld>
+</file>
+
+<file path=ppt/slides/slide8.xml><?xml version="1.0" encoding="utf-8"?>
+<p:sld xmlns:a="http://schemas.openxmlformats.org/drawingml/2006/main" xmlns:r="http://schemas.openxmlformats.org/officeDocument/2006/relationships" xmlns:p="http://schemas.openxmlformats.org/presentationml/2006/main">
+  <p:cSld>
+    <p:spTree>
+      <p:nvGrpSpPr>
+        <p:cNvPr id="1" name=""/>
+        <p:cNvGrpSpPr/>
+        <p:nvPr/>
+      </p:nvGrpSpPr>
+      <p:grpSpPr>
+        <a:xfrm>
+          <a:off x="0" y="0"/>
+          <a:ext cx="0" cy="0"/>
+          <a:chOff x="0" y="0"/>
+          <a:chExt cx="0" cy="0"/>
+        </a:xfrm>
+      </p:grpSpPr>
+      <p:sp>
+        <p:nvSpPr>
+          <p:cNvPr id="2" name="Заголовок 1">
+            <a:extLst>
+              <a:ext uri="{FF2B5EF4-FFF2-40B4-BE49-F238E27FC236}">
+                <a16:creationId xmlns:a16="http://schemas.microsoft.com/office/drawing/2014/main" id="{D71C94F0-4BD4-472C-A290-A9B8A9ACD654}"/>
+              </a:ext>
+            </a:extLst>
+          </p:cNvPr>
+          <p:cNvSpPr>
+            <a:spLocks noGrp="1"/>
+          </p:cNvSpPr>
+          <p:nvPr>
+            <p:ph type="title"/>
+          </p:nvPr>
+        </p:nvSpPr>
+        <p:spPr/>
+        <p:txBody>
+          <a:bodyPr>
+            <a:normAutofit fontScale="90000"/>
+          </a:bodyPr>
+          <a:lstStyle/>
+          <a:p>
+            <a:r>
+              <a:rPr lang="ru-RU" dirty="0" err="1"/>
+              <a:t>Большеамплитудные</a:t>
+            </a:r>
+            <a:r>
+              <a:rPr lang="ru-RU" dirty="0"/>
+              <a:t> колебания(</a:t>
+            </a:r>
+            <a:r>
+              <a:rPr lang="ru-RU" sz="2800" dirty="0"/>
+              <a:t>δ = 0.1309</a:t>
+            </a:r>
+            <a:r>
+              <a:rPr lang="ru-RU" dirty="0"/>
+              <a:t>)</a:t>
+            </a:r>
+          </a:p>
+        </p:txBody>
+      </p:sp>
+      <p:sp>
+        <p:nvSpPr>
+          <p:cNvPr id="3" name="Текст 2">
+            <a:extLst>
+              <a:ext uri="{FF2B5EF4-FFF2-40B4-BE49-F238E27FC236}">
+                <a16:creationId xmlns:a16="http://schemas.microsoft.com/office/drawing/2014/main" id="{DA067088-A49E-43D7-9D87-F1F8312283A8}"/>
+              </a:ext>
+            </a:extLst>
+          </p:cNvPr>
+          <p:cNvSpPr>
+            <a:spLocks noGrp="1"/>
+          </p:cNvSpPr>
+          <p:nvPr>
+            <p:ph type="body" idx="1"/>
+          </p:nvPr>
+        </p:nvSpPr>
+        <p:spPr/>
+        <p:txBody>
+          <a:bodyPr/>
+          <a:lstStyle/>
+          <a:p>
+            <a:endParaRPr lang="ru-RU" dirty="0"/>
+          </a:p>
+        </p:txBody>
+      </p:sp>
+      <p:pic>
+        <p:nvPicPr>
+          <p:cNvPr id="6" name="Рисунок 5">
+            <a:extLst>
+              <a:ext uri="{FF2B5EF4-FFF2-40B4-BE49-F238E27FC236}">
+                <a16:creationId xmlns:a16="http://schemas.microsoft.com/office/drawing/2014/main" id="{090A0E1A-C0A3-4624-9639-44AA5D58DA5F}"/>
+              </a:ext>
+            </a:extLst>
+          </p:cNvPr>
+          <p:cNvPicPr>
+            <a:picLocks noChangeAspect="1"/>
+          </p:cNvPicPr>
+          <p:nvPr/>
+        </p:nvPicPr>
+        <p:blipFill rotWithShape="1">
+          <a:blip r:embed="rId2"/>
+          <a:srcRect l="4775" r="2785"/>
+          <a:stretch/>
+        </p:blipFill>
+        <p:spPr>
+          <a:xfrm>
+            <a:off x="822959" y="1222203"/>
+            <a:ext cx="7498081" cy="2080402"/>
+          </a:xfrm>
+          <a:prstGeom prst="rect">
+            <a:avLst/>
+          </a:prstGeom>
+        </p:spPr>
+      </p:pic>
+      <p:pic>
+        <p:nvPicPr>
+          <p:cNvPr id="8" name="Рисунок 7">
+            <a:extLst>
+              <a:ext uri="{FF2B5EF4-FFF2-40B4-BE49-F238E27FC236}">
+                <a16:creationId xmlns:a16="http://schemas.microsoft.com/office/drawing/2014/main" id="{AB4A3A12-BA0C-4780-8605-F1BFAFEEE783}"/>
+              </a:ext>
+            </a:extLst>
+          </p:cNvPr>
+          <p:cNvPicPr>
+            <a:picLocks noChangeAspect="1"/>
+          </p:cNvPicPr>
+          <p:nvPr/>
+        </p:nvPicPr>
+        <p:blipFill rotWithShape="1">
+          <a:blip r:embed="rId3"/>
+          <a:srcRect l="8499" r="4250"/>
+          <a:stretch/>
+        </p:blipFill>
+        <p:spPr>
+          <a:xfrm>
+            <a:off x="4572001" y="3281089"/>
+            <a:ext cx="3749040" cy="1434812"/>
+          </a:xfrm>
+          <a:prstGeom prst="rect">
+            <a:avLst/>
+          </a:prstGeom>
+        </p:spPr>
+      </p:pic>
+      <p:pic>
+        <p:nvPicPr>
+          <p:cNvPr id="10" name="Рисунок 9">
+            <a:extLst>
+              <a:ext uri="{FF2B5EF4-FFF2-40B4-BE49-F238E27FC236}">
+                <a16:creationId xmlns:a16="http://schemas.microsoft.com/office/drawing/2014/main" id="{E69BAB21-56C0-4456-B243-76F5519CB524}"/>
+              </a:ext>
+            </a:extLst>
+          </p:cNvPr>
+          <p:cNvPicPr>
+            <a:picLocks noChangeAspect="1"/>
+          </p:cNvPicPr>
+          <p:nvPr/>
+        </p:nvPicPr>
+        <p:blipFill rotWithShape="1">
+          <a:blip r:embed="rId4"/>
+          <a:srcRect l="6819" r="6819"/>
+          <a:stretch/>
+        </p:blipFill>
+        <p:spPr>
+          <a:xfrm>
+            <a:off x="677461" y="3259574"/>
+            <a:ext cx="3749039" cy="1516828"/>
+          </a:xfrm>
+          <a:prstGeom prst="rect">
+            <a:avLst/>
+          </a:prstGeom>
+        </p:spPr>
+      </p:pic>
+    </p:spTree>
+    <p:extLst>
+      <p:ext uri="{BB962C8B-B14F-4D97-AF65-F5344CB8AC3E}">
+        <p14:creationId xmlns:p14="http://schemas.microsoft.com/office/powerpoint/2010/main" val="952028359"/>
       </p:ext>
     </p:extLst>
   </p:cSld>
